--- a/red_black_tree.pptx
+++ b/red_black_tree.pptx
@@ -7230,7 +7230,7 @@
         </p:nvSpPr>
         <p:spPr bwMode="auto">
           <a:xfrm>
-            <a:off x="3276600" y="381000"/>
+            <a:off x="3581425" y="1242470"/>
             <a:ext cx="762000" cy="838200"/>
           </a:xfrm>
           <a:prstGeom prst="ellipse">
@@ -7299,7 +7299,7 @@
         </p:nvSpPr>
         <p:spPr bwMode="auto">
           <a:xfrm>
-            <a:off x="2286000" y="1676400"/>
+            <a:off x="2286000" y="2330838"/>
             <a:ext cx="762000" cy="838200"/>
           </a:xfrm>
           <a:prstGeom prst="ellipse">
@@ -7785,8 +7785,8 @@
         </p:nvCxnSpPr>
         <p:spPr bwMode="auto">
           <a:xfrm flipH="1">
-            <a:off x="2936408" y="1096448"/>
-            <a:ext cx="451784" cy="702704"/>
+            <a:off x="2936408" y="1957918"/>
+            <a:ext cx="756609" cy="495672"/>
           </a:xfrm>
           <a:prstGeom prst="line">
             <a:avLst/>
@@ -7827,9 +7827,9 @@
           <p:nvPr/>
         </p:nvCxnSpPr>
         <p:spPr bwMode="auto">
-          <a:xfrm>
-            <a:off x="3927008" y="1096448"/>
-            <a:ext cx="1442384" cy="702704"/>
+          <a:xfrm flipV="1">
+            <a:off x="4231833" y="1799152"/>
+            <a:ext cx="1137559" cy="158766"/>
           </a:xfrm>
           <a:prstGeom prst="line">
             <a:avLst/>
@@ -8084,7 +8084,7 @@
         </p:nvCxnSpPr>
         <p:spPr bwMode="auto">
           <a:xfrm flipH="1">
-            <a:off x="2133600" y="2391848"/>
+            <a:off x="2133600" y="3046286"/>
             <a:ext cx="263992" cy="351352"/>
           </a:xfrm>
           <a:prstGeom prst="line">
@@ -8126,7 +8126,7 @@
         </p:nvCxnSpPr>
         <p:spPr bwMode="auto">
           <a:xfrm>
-            <a:off x="2936408" y="2391848"/>
+            <a:off x="2936408" y="3046286"/>
             <a:ext cx="225892" cy="351352"/>
           </a:xfrm>
           <a:prstGeom prst="line">
@@ -8540,7 +8540,7 @@
         </p:nvSpPr>
         <p:spPr>
           <a:xfrm>
-            <a:off x="2953580" y="2683904"/>
+            <a:off x="2947140" y="3300599"/>
             <a:ext cx="762000" cy="400110"/>
           </a:xfrm>
           <a:prstGeom prst="rect">
@@ -12532,10 +12532,9 @@
           <a:lstStyle/>
           <a:p>
             <a:r>
-              <a:rPr lang="en-US" dirty="0" smtClean="0"/>
+              <a:rPr lang="en-US" sz="2800" dirty="0" smtClean="0"/>
               <a:t>Searching </a:t>
             </a:r>
-            <a:endParaRPr lang="en-US" dirty="0" smtClean="0"/>
           </a:p>
           <a:p>
             <a:pPr marL="0" indent="0">
@@ -12549,13 +12548,31 @@
               <a:rPr lang="en-US" dirty="0" smtClean="0"/>
               <a:t>Searching is similar to binary search tree.  Searching starts from root node by comparing the value inserted to the value in root node and follow the pointer until the data is found or leaf node is reached.</a:t>
             </a:r>
-            <a:endParaRPr lang="en-US" dirty="0" smtClean="0"/>
           </a:p>
           <a:p>
             <a:r>
               <a:rPr lang="en-US" dirty="0" smtClean="0"/>
               <a:t>Insertion </a:t>
             </a:r>
+            <a:endParaRPr lang="en-US" dirty="0" smtClean="0"/>
+          </a:p>
+          <a:p>
+            <a:pPr marL="0" indent="0">
+              <a:buNone/>
+            </a:pPr>
+            <a:r>
+              <a:rPr lang="en-US" dirty="0"/>
+              <a:t> </a:t>
+            </a:r>
+            <a:r>
+              <a:rPr lang="en-US" dirty="0" smtClean="0"/>
+              <a:t>Insertion is also similar to binary </a:t>
+            </a:r>
+            <a:r>
+              <a:rPr lang="en-US" smtClean="0"/>
+              <a:t>search tree</a:t>
+            </a:r>
+            <a:endParaRPr lang="en-US" dirty="0" smtClean="0"/>
           </a:p>
           <a:p>
             <a:r>

--- a/red_black_tree.pptx
+++ b/red_black_tree.pptx
@@ -6,10 +6,10 @@
     <p:sldMasterId id="2147483650" r:id="rId2"/>
   </p:sldMasterIdLst>
   <p:notesMasterIdLst>
-    <p:notesMasterId r:id="rId11"/>
+    <p:notesMasterId r:id="rId13"/>
   </p:notesMasterIdLst>
   <p:handoutMasterIdLst>
-    <p:handoutMasterId r:id="rId12"/>
+    <p:handoutMasterId r:id="rId14"/>
   </p:handoutMasterIdLst>
   <p:sldIdLst>
     <p:sldId id="256" r:id="rId3"/>
@@ -19,7 +19,9 @@
     <p:sldId id="262" r:id="rId7"/>
     <p:sldId id="265" r:id="rId8"/>
     <p:sldId id="266" r:id="rId9"/>
-    <p:sldId id="263" r:id="rId10"/>
+    <p:sldId id="267" r:id="rId10"/>
+    <p:sldId id="268" r:id="rId11"/>
+    <p:sldId id="263" r:id="rId12"/>
   </p:sldIdLst>
   <p:sldSz cx="9144000" cy="6858000" type="screen4x3"/>
   <p:notesSz cx="6858000" cy="9144000"/>
@@ -7181,6 +7183,88 @@
 </p:sld>
 </file>
 
+<file path=ppt/slides/slide10.xml><?xml version="1.0" encoding="utf-8"?>
+<p:sld xmlns:a="http://schemas.openxmlformats.org/drawingml/2006/main" xmlns:r="http://schemas.openxmlformats.org/officeDocument/2006/relationships" xmlns:p="http://schemas.openxmlformats.org/presentationml/2006/main">
+  <p:cSld>
+    <p:spTree>
+      <p:nvGrpSpPr>
+        <p:cNvPr id="1" name=""/>
+        <p:cNvGrpSpPr/>
+        <p:nvPr/>
+      </p:nvGrpSpPr>
+      <p:grpSpPr>
+        <a:xfrm>
+          <a:off x="0" y="0"/>
+          <a:ext cx="0" cy="0"/>
+          <a:chOff x="0" y="0"/>
+          <a:chExt cx="0" cy="0"/>
+        </a:xfrm>
+      </p:grpSpPr>
+      <p:sp>
+        <p:nvSpPr>
+          <p:cNvPr id="2" name="Title 1"/>
+          <p:cNvSpPr>
+            <a:spLocks noGrp="1"/>
+          </p:cNvSpPr>
+          <p:nvPr>
+            <p:ph type="title"/>
+          </p:nvPr>
+        </p:nvSpPr>
+        <p:spPr>
+          <a:xfrm>
+            <a:off x="3657600" y="2667000"/>
+            <a:ext cx="3276600" cy="1143000"/>
+          </a:xfrm>
+        </p:spPr>
+        <p:txBody>
+          <a:bodyPr/>
+          <a:lstStyle/>
+          <a:p>
+            <a:r>
+              <a:rPr lang="en-US" dirty="0" smtClean="0"/>
+              <a:t>THANK YOU!</a:t>
+            </a:r>
+            <a:endParaRPr lang="en-US" dirty="0"/>
+          </a:p>
+        </p:txBody>
+      </p:sp>
+      <p:sp>
+        <p:nvSpPr>
+          <p:cNvPr id="4" name="Slide Number Placeholder 3"/>
+          <p:cNvSpPr>
+            <a:spLocks noGrp="1"/>
+          </p:cNvSpPr>
+          <p:nvPr>
+            <p:ph type="sldNum" sz="quarter" idx="12"/>
+          </p:nvPr>
+        </p:nvSpPr>
+        <p:spPr/>
+        <p:txBody>
+          <a:bodyPr/>
+          <a:lstStyle/>
+          <a:p>
+            <a:fld id="{DC648F6B-E850-4720-B097-9A485469B1BB}" type="slidenum">
+              <a:rPr lang="ru-RU" altLang="en-US" smtClean="0"/>
+              <a:pPr/>
+              <a:t>10</a:t>
+            </a:fld>
+            <a:endParaRPr lang="ru-RU" altLang="en-US"/>
+          </a:p>
+        </p:txBody>
+      </p:sp>
+    </p:spTree>
+    <p:extLst>
+      <p:ext uri="{BB962C8B-B14F-4D97-AF65-F5344CB8AC3E}">
+        <p14:creationId xmlns:p14="http://schemas.microsoft.com/office/powerpoint/2010/main" val="2967516767"/>
+      </p:ext>
+    </p:extLst>
+  </p:cSld>
+  <p:clrMapOvr>
+    <a:masterClrMapping/>
+  </p:clrMapOvr>
+</p:sld>
+</file>
+
 <file path=ppt/slides/slide2.xml><?xml version="1.0" encoding="utf-8"?>
 <p:sld xmlns:a="http://schemas.openxmlformats.org/drawingml/2006/main" xmlns:r="http://schemas.openxmlformats.org/officeDocument/2006/relationships" xmlns:p="http://schemas.openxmlformats.org/presentationml/2006/main">
   <p:cSld>
@@ -12541,50 +12625,18 @@
               <a:buNone/>
             </a:pPr>
             <a:r>
-              <a:rPr lang="en-US" dirty="0"/>
+              <a:rPr lang="en-US" sz="2800" dirty="0"/>
               <a:t> </a:t>
             </a:r>
             <a:r>
-              <a:rPr lang="en-US" dirty="0" smtClean="0"/>
-              <a:t>Searching is similar to binary search tree.  Searching starts from root node by comparing the value inserted to the value in root node and follow the pointer until the data is found or leaf node is reached.</a:t>
-            </a:r>
-          </a:p>
-          <a:p>
-            <a:r>
-              <a:rPr lang="en-US" dirty="0" smtClean="0"/>
-              <a:t>Insertion </a:t>
-            </a:r>
-            <a:endParaRPr lang="en-US" dirty="0" smtClean="0"/>
-          </a:p>
-          <a:p>
-            <a:pPr marL="0" indent="0">
-              <a:buNone/>
-            </a:pPr>
-            <a:r>
-              <a:rPr lang="en-US" dirty="0"/>
-              <a:t> </a:t>
-            </a:r>
-            <a:r>
-              <a:rPr lang="en-US" dirty="0" smtClean="0"/>
-              <a:t>Insertion is also similar to binary </a:t>
-            </a:r>
-            <a:r>
-              <a:rPr lang="en-US" smtClean="0"/>
-              <a:t>search tree</a:t>
-            </a:r>
-            <a:endParaRPr lang="en-US" dirty="0" smtClean="0"/>
-          </a:p>
-          <a:p>
-            <a:r>
-              <a:rPr lang="en-US" dirty="0" smtClean="0"/>
-              <a:t>Deletion</a:t>
-            </a:r>
-          </a:p>
-          <a:p>
-            <a:pPr marL="0" indent="0">
-              <a:buNone/>
-            </a:pPr>
-            <a:endParaRPr lang="en-US" dirty="0" smtClean="0"/>
+              <a:rPr lang="en-US" sz="2800" dirty="0" smtClean="0"/>
+              <a:t>Searching is similar to binary search tree.  Searching starts from root node by comparing the value inserted to the value in root node and follow the pointer until the data is found or leaf node is reached</a:t>
+            </a:r>
+            <a:r>
+              <a:rPr lang="en-US" sz="2800" dirty="0" smtClean="0"/>
+              <a:t>.</a:t>
+            </a:r>
+            <a:endParaRPr lang="en-US" sz="2800" dirty="0" smtClean="0"/>
           </a:p>
           <a:p>
             <a:pPr marL="0" indent="0">
@@ -12684,66 +12736,66 @@
         </p:nvSpPr>
         <p:spPr>
           <a:xfrm>
-            <a:off x="533400" y="381000"/>
+            <a:off x="479425" y="1600200"/>
             <a:ext cx="8207375" cy="4248150"/>
           </a:xfrm>
         </p:spPr>
         <p:txBody>
           <a:bodyPr/>
           <a:lstStyle/>
+          <a:p>
+            <a:r>
+              <a:rPr lang="en-US" sz="3200" dirty="0" smtClean="0"/>
+              <a:t>Insertion 1</a:t>
+            </a:r>
+            <a:endParaRPr lang="en-US" sz="3200" dirty="0" smtClean="0"/>
+          </a:p>
+          <a:p>
+            <a:r>
+              <a:rPr lang="en-US" sz="2400" dirty="0" smtClean="0"/>
+              <a:t>The </a:t>
+            </a:r>
+            <a:r>
+              <a:rPr lang="en-US" sz="2400" dirty="0" smtClean="0"/>
+              <a:t>value inserted is always red node.</a:t>
+            </a:r>
+          </a:p>
+          <a:p>
+            <a:r>
+              <a:rPr lang="en-US" sz="2400" dirty="0" smtClean="0"/>
+              <a:t>If the new node is root node, color it black</a:t>
+            </a:r>
+            <a:r>
+              <a:rPr lang="en-US" sz="2400" dirty="0" smtClean="0"/>
+              <a:t>.</a:t>
+            </a:r>
+            <a:endParaRPr lang="en-US" sz="2400" dirty="0" smtClean="0"/>
+          </a:p>
+          <a:p>
+            <a:r>
+              <a:rPr lang="en-US" sz="2400" dirty="0" smtClean="0"/>
+              <a:t>If both parent and uncle are both red </a:t>
+            </a:r>
+            <a:r>
+              <a:rPr lang="en-US" sz="2400" dirty="0" smtClean="0"/>
+              <a:t>node, </a:t>
+            </a:r>
+            <a:r>
+              <a:rPr lang="en-US" sz="2400" dirty="0" smtClean="0"/>
+              <a:t>change color of uncle and parent and grandparent is red</a:t>
+            </a:r>
+            <a:r>
+              <a:rPr lang="en-US" sz="2400" dirty="0" smtClean="0"/>
+              <a:t>.</a:t>
+            </a:r>
+          </a:p>
           <a:p>
             <a:pPr marL="0" indent="0">
               <a:buNone/>
             </a:pPr>
             <a:r>
               <a:rPr lang="en-US" dirty="0" smtClean="0"/>
-              <a:t>	Insertion</a:t>
-            </a:r>
-          </a:p>
-          <a:p>
-            <a:r>
-              <a:rPr lang="en-US" dirty="0" smtClean="0"/>
-              <a:t> </a:t>
-            </a:r>
-            <a:r>
-              <a:rPr lang="en-US" dirty="0"/>
-              <a:t>T</a:t>
-            </a:r>
-            <a:r>
-              <a:rPr lang="en-US" dirty="0" smtClean="0"/>
-              <a:t>he value inserted is always red node.</a:t>
-            </a:r>
-          </a:p>
-          <a:p>
-            <a:r>
-              <a:rPr lang="en-US" dirty="0" smtClean="0"/>
-              <a:t>If the new node is root node, color it black.</a:t>
-            </a:r>
-          </a:p>
-          <a:p>
-            <a:r>
-              <a:rPr lang="en-US" dirty="0" smtClean="0"/>
-              <a:t>If both parent and uncle are both red node change color of uncle and parent and grandparent is red.</a:t>
-            </a:r>
-          </a:p>
-          <a:p>
-            <a:r>
-              <a:rPr lang="en-US" dirty="0" smtClean="0"/>
-              <a:t>If a parent is red and uncle is black  </a:t>
-            </a:r>
-            <a:endParaRPr lang="en-US" dirty="0"/>
-          </a:p>
-          <a:p>
-            <a:pPr marL="0" indent="0">
-              <a:buNone/>
-            </a:pPr>
-            <a:r>
-              <a:rPr lang="en-US" dirty="0"/>
-              <a:t> </a:t>
-            </a:r>
-            <a:r>
-              <a:rPr lang="en-US" dirty="0" smtClean="0"/>
-              <a:t> </a:t>
+              <a:t>  </a:t>
             </a:r>
             <a:endParaRPr lang="en-US" dirty="0"/>
           </a:p>
@@ -12789,21 +12841,68 @@
             <p:ph type="title"/>
           </p:nvPr>
         </p:nvSpPr>
-        <p:spPr>
-          <a:xfrm>
-            <a:off x="3657600" y="2667000"/>
-            <a:ext cx="3276600" cy="1143000"/>
-          </a:xfrm>
-        </p:spPr>
+        <p:spPr/>
         <p:txBody>
           <a:bodyPr/>
           <a:lstStyle/>
           <a:p>
             <a:r>
               <a:rPr lang="en-US" dirty="0" smtClean="0"/>
-              <a:t>THANK YOU!</a:t>
+              <a:t>Insertion 2</a:t>
             </a:r>
             <a:endParaRPr lang="en-US" dirty="0"/>
+          </a:p>
+        </p:txBody>
+      </p:sp>
+      <p:sp>
+        <p:nvSpPr>
+          <p:cNvPr id="3" name="Content Placeholder 2"/>
+          <p:cNvSpPr>
+            <a:spLocks noGrp="1"/>
+          </p:cNvSpPr>
+          <p:nvPr>
+            <p:ph idx="1"/>
+          </p:nvPr>
+        </p:nvSpPr>
+        <p:spPr/>
+        <p:txBody>
+          <a:bodyPr/>
+          <a:lstStyle/>
+          <a:p>
+            <a:r>
+              <a:rPr lang="en-US" dirty="0"/>
+              <a:t>If a parent is red and uncle is black, and </a:t>
+            </a:r>
+            <a:r>
+              <a:rPr lang="en-US" dirty="0" err="1"/>
+              <a:t>newnode</a:t>
+            </a:r>
+            <a:r>
+              <a:rPr lang="en-US" dirty="0"/>
+              <a:t> and it’s parents are opposite type children (that means if parent is left child, then new node must be right side or vice-versa), then color grand-parent red, color </a:t>
+            </a:r>
+            <a:r>
+              <a:rPr lang="en-US" dirty="0" err="1"/>
+              <a:t>newnode</a:t>
+            </a:r>
+            <a:r>
+              <a:rPr lang="en-US" dirty="0"/>
+              <a:t> black, rotate left on parent and rotate right on grandparent.</a:t>
+            </a:r>
+          </a:p>
+          <a:p>
+            <a:r>
+              <a:rPr lang="en-US" dirty="0"/>
+              <a:t>If a parent is red and uncle is black, and </a:t>
+            </a:r>
+            <a:r>
+              <a:rPr lang="en-US" dirty="0" err="1"/>
+              <a:t>newnode</a:t>
+            </a:r>
+            <a:r>
+              <a:rPr lang="en-US" dirty="0"/>
+              <a:t> and it’s parents are both left or right children then, color parent black, color grandparent red, rotate right on grandparent.</a:t>
+            </a:r>
           </a:p>
         </p:txBody>
       </p:sp>
@@ -12822,7 +12921,7 @@
           <a:bodyPr/>
           <a:lstStyle/>
           <a:p>
-            <a:fld id="{DC648F6B-E850-4720-B097-9A485469B1BB}" type="slidenum">
+            <a:fld id="{D3BD345E-2A33-44BF-900A-E35B6218E90E}" type="slidenum">
               <a:rPr lang="ru-RU" altLang="en-US" smtClean="0"/>
               <a:pPr/>
               <a:t>8</a:t>
@@ -12834,7 +12933,103 @@
     </p:spTree>
     <p:extLst>
       <p:ext uri="{BB962C8B-B14F-4D97-AF65-F5344CB8AC3E}">
-        <p14:creationId xmlns:p14="http://schemas.microsoft.com/office/powerpoint/2010/main" val="2967516767"/>
+        <p14:creationId xmlns:p14="http://schemas.microsoft.com/office/powerpoint/2010/main" val="777269085"/>
+      </p:ext>
+    </p:extLst>
+  </p:cSld>
+  <p:clrMapOvr>
+    <a:masterClrMapping/>
+  </p:clrMapOvr>
+</p:sld>
+</file>
+
+<file path=ppt/slides/slide9.xml><?xml version="1.0" encoding="utf-8"?>
+<p:sld xmlns:a="http://schemas.openxmlformats.org/drawingml/2006/main" xmlns:r="http://schemas.openxmlformats.org/officeDocument/2006/relationships" xmlns:p="http://schemas.openxmlformats.org/presentationml/2006/main">
+  <p:cSld>
+    <p:spTree>
+      <p:nvGrpSpPr>
+        <p:cNvPr id="1" name=""/>
+        <p:cNvGrpSpPr/>
+        <p:nvPr/>
+      </p:nvGrpSpPr>
+      <p:grpSpPr>
+        <a:xfrm>
+          <a:off x="0" y="0"/>
+          <a:ext cx="0" cy="0"/>
+          <a:chOff x="0" y="0"/>
+          <a:chExt cx="0" cy="0"/>
+        </a:xfrm>
+      </p:grpSpPr>
+      <p:sp>
+        <p:nvSpPr>
+          <p:cNvPr id="2" name="Title 1"/>
+          <p:cNvSpPr>
+            <a:spLocks noGrp="1"/>
+          </p:cNvSpPr>
+          <p:nvPr>
+            <p:ph type="title"/>
+          </p:nvPr>
+        </p:nvSpPr>
+        <p:spPr/>
+        <p:txBody>
+          <a:bodyPr/>
+          <a:lstStyle/>
+          <a:p>
+            <a:r>
+              <a:rPr lang="en-US" dirty="0" smtClean="0"/>
+              <a:t>Deletion 1</a:t>
+            </a:r>
+            <a:endParaRPr lang="en-US" dirty="0"/>
+          </a:p>
+        </p:txBody>
+      </p:sp>
+      <p:sp>
+        <p:nvSpPr>
+          <p:cNvPr id="3" name="Content Placeholder 2"/>
+          <p:cNvSpPr>
+            <a:spLocks noGrp="1"/>
+          </p:cNvSpPr>
+          <p:nvPr>
+            <p:ph idx="1"/>
+          </p:nvPr>
+        </p:nvSpPr>
+        <p:spPr/>
+        <p:txBody>
+          <a:bodyPr/>
+          <a:lstStyle/>
+          <a:p>
+            <a:endParaRPr lang="en-US" dirty="0"/>
+          </a:p>
+        </p:txBody>
+      </p:sp>
+      <p:sp>
+        <p:nvSpPr>
+          <p:cNvPr id="4" name="Slide Number Placeholder 3"/>
+          <p:cNvSpPr>
+            <a:spLocks noGrp="1"/>
+          </p:cNvSpPr>
+          <p:nvPr>
+            <p:ph type="sldNum" sz="quarter" idx="12"/>
+          </p:nvPr>
+        </p:nvSpPr>
+        <p:spPr/>
+        <p:txBody>
+          <a:bodyPr/>
+          <a:lstStyle/>
+          <a:p>
+            <a:fld id="{D3BD345E-2A33-44BF-900A-E35B6218E90E}" type="slidenum">
+              <a:rPr lang="ru-RU" altLang="en-US" smtClean="0"/>
+              <a:pPr/>
+              <a:t>9</a:t>
+            </a:fld>
+            <a:endParaRPr lang="ru-RU" altLang="en-US"/>
+          </a:p>
+        </p:txBody>
+      </p:sp>
+    </p:spTree>
+    <p:extLst>
+      <p:ext uri="{BB962C8B-B14F-4D97-AF65-F5344CB8AC3E}">
+        <p14:creationId xmlns:p14="http://schemas.microsoft.com/office/powerpoint/2010/main" val="1060338664"/>
       </p:ext>
     </p:extLst>
   </p:cSld>
